--- a/water-fall/10_要件定義/40_タスク管理システム_ラフスケッチ_v1.0.pptx
+++ b/water-fall/10_要件定義/40_タスク管理システム_ラフスケッチ_v1.0.pptx
@@ -227,7 +227,7 @@
                 <a:latin typeface="Meiryo UI" panose="020B0604030504040204" pitchFamily="50" charset="-128"/>
                 <a:ea typeface="Meiryo UI" panose="020B0604030504040204" pitchFamily="50" charset="-128"/>
               </a:rPr>
-              <a:t>2024/6/30</a:t>
+              <a:t>2024/7/2</a:t>
             </a:fld>
             <a:endParaRPr lang="ja-JP" dirty="0">
               <a:latin typeface="Meiryo UI" panose="020B0604030504040204" pitchFamily="50" charset="-128"/>
@@ -427,7 +427,7 @@
           <a:p>
             <a:fld id="{E3D54C56-56CB-4310-BBD3-0C7DA2EFBA3C}" type="datetime1">
               <a:rPr lang="ja-JP" altLang="en-US" smtClean="0"/>
-              <a:t>2024/6/30</a:t>
+              <a:t>2024/7/2</a:t>
             </a:fld>
             <a:endParaRPr lang="en-US" dirty="0">
               <a:ea typeface="Meiryo UI" panose="020B0604030504040204" pitchFamily="50" charset="-128"/>
@@ -8811,6 +8811,165 @@
           </a:fontRef>
         </p:style>
       </p:cxnSp>
+      <p:pic>
+        <p:nvPicPr>
+          <p:cNvPr id="9" name="グラフィックス 8" descr="ユーザー 単色塗りつぶし">
+            <a:extLst>
+              <a:ext uri="{FF2B5EF4-FFF2-40B4-BE49-F238E27FC236}">
+                <a16:creationId xmlns:a16="http://schemas.microsoft.com/office/drawing/2014/main" id="{2BF226E0-8BAF-1304-53D8-E2BAF1949CCF}"/>
+              </a:ext>
+            </a:extLst>
+          </p:cNvPr>
+          <p:cNvPicPr>
+            <a:picLocks noChangeAspect="1"/>
+          </p:cNvPicPr>
+          <p:nvPr/>
+        </p:nvPicPr>
+        <p:blipFill>
+          <a:blip r:embed="rId6">
+            <a:extLst>
+              <a:ext uri="{96DAC541-7B7A-43D3-8B79-37D633B846F1}">
+                <asvg:svgBlip xmlns:asvg="http://schemas.microsoft.com/office/drawing/2016/SVG/main" r:embed="rId7"/>
+              </a:ext>
+            </a:extLst>
+          </a:blip>
+          <a:stretch>
+            <a:fillRect/>
+          </a:stretch>
+        </p:blipFill>
+        <p:spPr>
+          <a:xfrm>
+            <a:off x="4524065" y="1658470"/>
+            <a:ext cx="410116" cy="410116"/>
+          </a:xfrm>
+          <a:prstGeom prst="rect">
+            <a:avLst/>
+          </a:prstGeom>
+        </p:spPr>
+      </p:pic>
+      <p:sp>
+        <p:nvSpPr>
+          <p:cNvPr id="10" name="吹き出し: 線 9">
+            <a:extLst>
+              <a:ext uri="{FF2B5EF4-FFF2-40B4-BE49-F238E27FC236}">
+                <a16:creationId xmlns:a16="http://schemas.microsoft.com/office/drawing/2014/main" id="{DC268945-42D3-EE13-1CDE-649D436DA73A}"/>
+              </a:ext>
+            </a:extLst>
+          </p:cNvPr>
+          <p:cNvSpPr/>
+          <p:nvPr/>
+        </p:nvSpPr>
+        <p:spPr>
+          <a:xfrm>
+            <a:off x="7167344" y="1381705"/>
+            <a:ext cx="2160240" cy="779508"/>
+          </a:xfrm>
+          <a:prstGeom prst="borderCallout1">
+            <a:avLst>
+              <a:gd name="adj1" fmla="val 50187"/>
+              <a:gd name="adj2" fmla="val -3400"/>
+              <a:gd name="adj3" fmla="val 60604"/>
+              <a:gd name="adj4" fmla="val -104166"/>
+            </a:avLst>
+          </a:prstGeom>
+          <a:ln>
+            <a:tailEnd type="oval"/>
+          </a:ln>
+        </p:spPr>
+        <p:style>
+          <a:lnRef idx="2">
+            <a:schemeClr val="dk1"/>
+          </a:lnRef>
+          <a:fillRef idx="1">
+            <a:schemeClr val="lt1"/>
+          </a:fillRef>
+          <a:effectRef idx="0">
+            <a:schemeClr val="dk1"/>
+          </a:effectRef>
+          <a:fontRef idx="minor">
+            <a:schemeClr val="dk1"/>
+          </a:fontRef>
+        </p:style>
+        <p:txBody>
+          <a:bodyPr rtlCol="0" anchor="ctr"/>
+          <a:lstStyle/>
+          <a:p>
+            <a:r>
+              <a:rPr kumimoji="1" lang="ja-JP" altLang="en-US" sz="1200" dirty="0"/>
+              <a:t>下記アクションを実行可能</a:t>
+            </a:r>
+            <a:endParaRPr kumimoji="1" lang="en-US" altLang="ja-JP" sz="1200" dirty="0"/>
+          </a:p>
+          <a:p>
+            <a:r>
+              <a:rPr kumimoji="1" lang="ja-JP" altLang="en-US" sz="1200" dirty="0"/>
+              <a:t>・パスワード変更</a:t>
+            </a:r>
+            <a:endParaRPr kumimoji="1" lang="en-US" altLang="ja-JP" sz="1200" dirty="0"/>
+          </a:p>
+          <a:p>
+            <a:r>
+              <a:rPr kumimoji="1" lang="ja-JP" altLang="en-US" sz="1200" dirty="0"/>
+              <a:t>・ログアウト</a:t>
+            </a:r>
+            <a:endParaRPr kumimoji="1" lang="en-US" altLang="ja-JP" sz="1200" dirty="0"/>
+          </a:p>
+        </p:txBody>
+      </p:sp>
+      <p:sp>
+        <p:nvSpPr>
+          <p:cNvPr id="11" name="楕円 10">
+            <a:extLst>
+              <a:ext uri="{FF2B5EF4-FFF2-40B4-BE49-F238E27FC236}">
+                <a16:creationId xmlns:a16="http://schemas.microsoft.com/office/drawing/2014/main" id="{5946C4F9-9589-28E2-522C-E8FA06947C82}"/>
+              </a:ext>
+            </a:extLst>
+          </p:cNvPr>
+          <p:cNvSpPr/>
+          <p:nvPr/>
+        </p:nvSpPr>
+        <p:spPr>
+          <a:xfrm>
+            <a:off x="4477916" y="1613560"/>
+            <a:ext cx="489077" cy="489077"/>
+          </a:xfrm>
+          <a:prstGeom prst="ellipse">
+            <a:avLst/>
+          </a:prstGeom>
+          <a:noFill/>
+          <a:ln w="9525" cap="flat" cmpd="sng" algn="ctr">
+            <a:solidFill>
+              <a:schemeClr val="dk1"/>
+            </a:solidFill>
+            <a:prstDash val="solid"/>
+            <a:round/>
+            <a:headEnd type="none" w="med" len="med"/>
+            <a:tailEnd type="none" w="med" len="med"/>
+          </a:ln>
+        </p:spPr>
+        <p:style>
+          <a:lnRef idx="0">
+            <a:scrgbClr r="0" g="0" b="0"/>
+          </a:lnRef>
+          <a:fillRef idx="0">
+            <a:scrgbClr r="0" g="0" b="0"/>
+          </a:fillRef>
+          <a:effectRef idx="0">
+            <a:scrgbClr r="0" g="0" b="0"/>
+          </a:effectRef>
+          <a:fontRef idx="minor">
+            <a:schemeClr val="dk1"/>
+          </a:fontRef>
+        </p:style>
+        <p:txBody>
+          <a:bodyPr rtlCol="0" anchor="ctr"/>
+          <a:lstStyle/>
+          <a:p>
+            <a:pPr algn="ctr"/>
+            <a:endParaRPr kumimoji="1" lang="ja-JP" altLang="en-US"/>
+          </a:p>
+        </p:txBody>
+      </p:sp>
     </p:spTree>
     <p:extLst>
       <p:ext uri="{BB962C8B-B14F-4D97-AF65-F5344CB8AC3E}">
@@ -9616,12 +9775,23 @@
 </file>
 
 <file path=customXml/item1.xml><?xml version="1.0" encoding="utf-8"?>
-<?mso-contentType ?>
-<FormTemplates xmlns="http://schemas.microsoft.com/sharepoint/v3/contenttype/forms">
-  <Display>DocumentLibraryForm</Display>
-  <Edit>DocumentLibraryForm</Edit>
-  <New>DocumentLibraryForm</New>
-</FormTemplates>
+<p:properties xmlns:p="http://schemas.microsoft.com/office/2006/metadata/properties" xmlns:xsi="http://www.w3.org/2001/XMLSchema-instance" xmlns:pc="http://schemas.microsoft.com/office/infopath/2007/PartnerControls">
+  <documentManagement>
+    <_ip_UnifiedCompliancePolicyUIAction xmlns="http://schemas.microsoft.com/sharepoint/v3" xsi:nil="true"/>
+    <Image xmlns="71af3243-3dd4-4a8d-8c0d-dd76da1f02a5">
+      <Url xsi:nil="true"/>
+      <Description xsi:nil="true"/>
+    </Image>
+    <Status xmlns="71af3243-3dd4-4a8d-8c0d-dd76da1f02a5">Not started</Status>
+    <Background xmlns="71af3243-3dd4-4a8d-8c0d-dd76da1f02a5">false</Background>
+    <_ip_UnifiedCompliancePolicyProperties xmlns="http://schemas.microsoft.com/sharepoint/v3" xsi:nil="true"/>
+    <ImageTagsTaxHTField xmlns="71af3243-3dd4-4a8d-8c0d-dd76da1f02a5">
+      <Terms xmlns="http://schemas.microsoft.com/office/infopath/2007/PartnerControls"/>
+    </ImageTagsTaxHTField>
+    <TaxCatchAll xmlns="230e9df3-be65-4c73-a93b-d1236ebd677e" xsi:nil="true"/>
+    <MediaServiceKeyPoints xmlns="71af3243-3dd4-4a8d-8c0d-dd76da1f02a5" xsi:nil="true"/>
+  </documentManagement>
+</p:properties>
 </file>
 
 <file path=customXml/item2.xml><?xml version="1.0" encoding="utf-8"?>
@@ -9937,29 +10107,22 @@
 </file>
 
 <file path=customXml/item3.xml><?xml version="1.0" encoding="utf-8"?>
-<p:properties xmlns:p="http://schemas.microsoft.com/office/2006/metadata/properties" xmlns:xsi="http://www.w3.org/2001/XMLSchema-instance" xmlns:pc="http://schemas.microsoft.com/office/infopath/2007/PartnerControls">
-  <documentManagement>
-    <_ip_UnifiedCompliancePolicyUIAction xmlns="http://schemas.microsoft.com/sharepoint/v3" xsi:nil="true"/>
-    <Image xmlns="71af3243-3dd4-4a8d-8c0d-dd76da1f02a5">
-      <Url xsi:nil="true"/>
-      <Description xsi:nil="true"/>
-    </Image>
-    <Status xmlns="71af3243-3dd4-4a8d-8c0d-dd76da1f02a5">Not started</Status>
-    <Background xmlns="71af3243-3dd4-4a8d-8c0d-dd76da1f02a5">false</Background>
-    <_ip_UnifiedCompliancePolicyProperties xmlns="http://schemas.microsoft.com/sharepoint/v3" xsi:nil="true"/>
-    <ImageTagsTaxHTField xmlns="71af3243-3dd4-4a8d-8c0d-dd76da1f02a5">
-      <Terms xmlns="http://schemas.microsoft.com/office/infopath/2007/PartnerControls"/>
-    </ImageTagsTaxHTField>
-    <TaxCatchAll xmlns="230e9df3-be65-4c73-a93b-d1236ebd677e" xsi:nil="true"/>
-    <MediaServiceKeyPoints xmlns="71af3243-3dd4-4a8d-8c0d-dd76da1f02a5" xsi:nil="true"/>
-  </documentManagement>
-</p:properties>
+<?mso-contentType ?>
+<FormTemplates xmlns="http://schemas.microsoft.com/sharepoint/v3/contenttype/forms">
+  <Display>DocumentLibraryForm</Display>
+  <Edit>DocumentLibraryForm</Edit>
+  <New>DocumentLibraryForm</New>
+</FormTemplates>
 </file>
 
 <file path=customXml/itemProps1.xml><?xml version="1.0" encoding="utf-8"?>
-<ds:datastoreItem xmlns:ds="http://schemas.openxmlformats.org/officeDocument/2006/customXml" ds:itemID="{CABF691C-888B-4061-8A6F-D5CE84A0254B}">
+<ds:datastoreItem xmlns:ds="http://schemas.openxmlformats.org/officeDocument/2006/customXml" ds:itemID="{49168DCE-134F-4610-A6AA-88CEBE8D71D2}">
   <ds:schemaRefs>
-    <ds:schemaRef ds:uri="http://schemas.microsoft.com/sharepoint/v3/contenttype/forms"/>
+    <ds:schemaRef ds:uri="http://schemas.microsoft.com/office/2006/metadata/properties"/>
+    <ds:schemaRef ds:uri="http://schemas.microsoft.com/office/infopath/2007/PartnerControls"/>
+    <ds:schemaRef ds:uri="http://schemas.microsoft.com/sharepoint/v3"/>
+    <ds:schemaRef ds:uri="71af3243-3dd4-4a8d-8c0d-dd76da1f02a5"/>
+    <ds:schemaRef ds:uri="230e9df3-be65-4c73-a93b-d1236ebd677e"/>
   </ds:schemaRefs>
 </ds:datastoreItem>
 </file>
@@ -9986,13 +10149,9 @@
 </file>
 
 <file path=customXml/itemProps3.xml><?xml version="1.0" encoding="utf-8"?>
-<ds:datastoreItem xmlns:ds="http://schemas.openxmlformats.org/officeDocument/2006/customXml" ds:itemID="{49168DCE-134F-4610-A6AA-88CEBE8D71D2}">
+<ds:datastoreItem xmlns:ds="http://schemas.openxmlformats.org/officeDocument/2006/customXml" ds:itemID="{CABF691C-888B-4061-8A6F-D5CE84A0254B}">
   <ds:schemaRefs>
-    <ds:schemaRef ds:uri="http://schemas.microsoft.com/office/2006/metadata/properties"/>
-    <ds:schemaRef ds:uri="http://schemas.microsoft.com/office/infopath/2007/PartnerControls"/>
-    <ds:schemaRef ds:uri="http://schemas.microsoft.com/sharepoint/v3"/>
-    <ds:schemaRef ds:uri="71af3243-3dd4-4a8d-8c0d-dd76da1f02a5"/>
-    <ds:schemaRef ds:uri="230e9df3-be65-4c73-a93b-d1236ebd677e"/>
+    <ds:schemaRef ds:uri="http://schemas.microsoft.com/sharepoint/v3/contenttype/forms"/>
   </ds:schemaRefs>
 </ds:datastoreItem>
 </file>

--- a/water-fall/10_要件定義/40_タスク管理システム_ラフスケッチ_v1.0.pptx
+++ b/water-fall/10_要件定義/40_タスク管理システム_ラフスケッチ_v1.0.pptx
@@ -227,7 +227,7 @@
                 <a:latin typeface="Meiryo UI" panose="020B0604030504040204" pitchFamily="50" charset="-128"/>
                 <a:ea typeface="Meiryo UI" panose="020B0604030504040204" pitchFamily="50" charset="-128"/>
               </a:rPr>
-              <a:t>2024/7/2</a:t>
+              <a:t>2024/7/6</a:t>
             </a:fld>
             <a:endParaRPr lang="ja-JP" dirty="0">
               <a:latin typeface="Meiryo UI" panose="020B0604030504040204" pitchFamily="50" charset="-128"/>
@@ -427,7 +427,7 @@
           <a:p>
             <a:fld id="{E3D54C56-56CB-4310-BBD3-0C7DA2EFBA3C}" type="datetime1">
               <a:rPr lang="ja-JP" altLang="en-US" smtClean="0"/>
-              <a:t>2024/7/2</a:t>
+              <a:t>2024/7/6</a:t>
             </a:fld>
             <a:endParaRPr lang="en-US" dirty="0">
               <a:ea typeface="Meiryo UI" panose="020B0604030504040204" pitchFamily="50" charset="-128"/>
@@ -9775,23 +9775,12 @@
 </file>
 
 <file path=customXml/item1.xml><?xml version="1.0" encoding="utf-8"?>
-<p:properties xmlns:p="http://schemas.microsoft.com/office/2006/metadata/properties" xmlns:xsi="http://www.w3.org/2001/XMLSchema-instance" xmlns:pc="http://schemas.microsoft.com/office/infopath/2007/PartnerControls">
-  <documentManagement>
-    <_ip_UnifiedCompliancePolicyUIAction xmlns="http://schemas.microsoft.com/sharepoint/v3" xsi:nil="true"/>
-    <Image xmlns="71af3243-3dd4-4a8d-8c0d-dd76da1f02a5">
-      <Url xsi:nil="true"/>
-      <Description xsi:nil="true"/>
-    </Image>
-    <Status xmlns="71af3243-3dd4-4a8d-8c0d-dd76da1f02a5">Not started</Status>
-    <Background xmlns="71af3243-3dd4-4a8d-8c0d-dd76da1f02a5">false</Background>
-    <_ip_UnifiedCompliancePolicyProperties xmlns="http://schemas.microsoft.com/sharepoint/v3" xsi:nil="true"/>
-    <ImageTagsTaxHTField xmlns="71af3243-3dd4-4a8d-8c0d-dd76da1f02a5">
-      <Terms xmlns="http://schemas.microsoft.com/office/infopath/2007/PartnerControls"/>
-    </ImageTagsTaxHTField>
-    <TaxCatchAll xmlns="230e9df3-be65-4c73-a93b-d1236ebd677e" xsi:nil="true"/>
-    <MediaServiceKeyPoints xmlns="71af3243-3dd4-4a8d-8c0d-dd76da1f02a5" xsi:nil="true"/>
-  </documentManagement>
-</p:properties>
+<?mso-contentType ?>
+<FormTemplates xmlns="http://schemas.microsoft.com/sharepoint/v3/contenttype/forms">
+  <Display>DocumentLibraryForm</Display>
+  <Edit>DocumentLibraryForm</Edit>
+  <New>DocumentLibraryForm</New>
+</FormTemplates>
 </file>
 
 <file path=customXml/item2.xml><?xml version="1.0" encoding="utf-8"?>
@@ -10107,22 +10096,29 @@
 </file>
 
 <file path=customXml/item3.xml><?xml version="1.0" encoding="utf-8"?>
-<?mso-contentType ?>
-<FormTemplates xmlns="http://schemas.microsoft.com/sharepoint/v3/contenttype/forms">
-  <Display>DocumentLibraryForm</Display>
-  <Edit>DocumentLibraryForm</Edit>
-  <New>DocumentLibraryForm</New>
-</FormTemplates>
+<p:properties xmlns:p="http://schemas.microsoft.com/office/2006/metadata/properties" xmlns:xsi="http://www.w3.org/2001/XMLSchema-instance" xmlns:pc="http://schemas.microsoft.com/office/infopath/2007/PartnerControls">
+  <documentManagement>
+    <_ip_UnifiedCompliancePolicyUIAction xmlns="http://schemas.microsoft.com/sharepoint/v3" xsi:nil="true"/>
+    <Image xmlns="71af3243-3dd4-4a8d-8c0d-dd76da1f02a5">
+      <Url xsi:nil="true"/>
+      <Description xsi:nil="true"/>
+    </Image>
+    <Status xmlns="71af3243-3dd4-4a8d-8c0d-dd76da1f02a5">Not started</Status>
+    <Background xmlns="71af3243-3dd4-4a8d-8c0d-dd76da1f02a5">false</Background>
+    <_ip_UnifiedCompliancePolicyProperties xmlns="http://schemas.microsoft.com/sharepoint/v3" xsi:nil="true"/>
+    <ImageTagsTaxHTField xmlns="71af3243-3dd4-4a8d-8c0d-dd76da1f02a5">
+      <Terms xmlns="http://schemas.microsoft.com/office/infopath/2007/PartnerControls"/>
+    </ImageTagsTaxHTField>
+    <TaxCatchAll xmlns="230e9df3-be65-4c73-a93b-d1236ebd677e" xsi:nil="true"/>
+    <MediaServiceKeyPoints xmlns="71af3243-3dd4-4a8d-8c0d-dd76da1f02a5" xsi:nil="true"/>
+  </documentManagement>
+</p:properties>
 </file>
 
 <file path=customXml/itemProps1.xml><?xml version="1.0" encoding="utf-8"?>
-<ds:datastoreItem xmlns:ds="http://schemas.openxmlformats.org/officeDocument/2006/customXml" ds:itemID="{49168DCE-134F-4610-A6AA-88CEBE8D71D2}">
+<ds:datastoreItem xmlns:ds="http://schemas.openxmlformats.org/officeDocument/2006/customXml" ds:itemID="{CABF691C-888B-4061-8A6F-D5CE84A0254B}">
   <ds:schemaRefs>
-    <ds:schemaRef ds:uri="http://schemas.microsoft.com/office/2006/metadata/properties"/>
-    <ds:schemaRef ds:uri="http://schemas.microsoft.com/office/infopath/2007/PartnerControls"/>
-    <ds:schemaRef ds:uri="http://schemas.microsoft.com/sharepoint/v3"/>
-    <ds:schemaRef ds:uri="71af3243-3dd4-4a8d-8c0d-dd76da1f02a5"/>
-    <ds:schemaRef ds:uri="230e9df3-be65-4c73-a93b-d1236ebd677e"/>
+    <ds:schemaRef ds:uri="http://schemas.microsoft.com/sharepoint/v3/contenttype/forms"/>
   </ds:schemaRefs>
 </ds:datastoreItem>
 </file>
@@ -10149,9 +10145,13 @@
 </file>
 
 <file path=customXml/itemProps3.xml><?xml version="1.0" encoding="utf-8"?>
-<ds:datastoreItem xmlns:ds="http://schemas.openxmlformats.org/officeDocument/2006/customXml" ds:itemID="{CABF691C-888B-4061-8A6F-D5CE84A0254B}">
+<ds:datastoreItem xmlns:ds="http://schemas.openxmlformats.org/officeDocument/2006/customXml" ds:itemID="{49168DCE-134F-4610-A6AA-88CEBE8D71D2}">
   <ds:schemaRefs>
-    <ds:schemaRef ds:uri="http://schemas.microsoft.com/sharepoint/v3/contenttype/forms"/>
+    <ds:schemaRef ds:uri="http://schemas.microsoft.com/office/2006/metadata/properties"/>
+    <ds:schemaRef ds:uri="http://schemas.microsoft.com/office/infopath/2007/PartnerControls"/>
+    <ds:schemaRef ds:uri="http://schemas.microsoft.com/sharepoint/v3"/>
+    <ds:schemaRef ds:uri="71af3243-3dd4-4a8d-8c0d-dd76da1f02a5"/>
+    <ds:schemaRef ds:uri="230e9df3-be65-4c73-a93b-d1236ebd677e"/>
   </ds:schemaRefs>
 </ds:datastoreItem>
 </file>
